--- a/osi-and-tcp.pptx
+++ b/osi-and-tcp.pptx
@@ -104,6 +104,11 @@
       </a:defRPr>
     </a:lvl9pPr>
   </p:defaultTextStyle>
+  <p:extLst>
+    <p:ext uri="{EFAFB233-063F-42B5-8137-9DF3F51BA10A}">
+      <p15:sldGuideLst xmlns:p15="http://schemas.microsoft.com/office/powerpoint/2012/main"/>
+    </p:ext>
+  </p:extLst>
 </p:presentation>
 </file>
 
@@ -256,7 +261,7 @@
           <a:p>
             <a:fld id="{3B2B4835-CDD8-EA40-AC14-BDCA4B30EFF8}" type="datetimeFigureOut">
               <a:rPr kumimoji="1" lang="ko-Kore-KR" altLang="en-US" smtClean="0"/>
-              <a:t>2020. 7. 12.</a:t>
+              <a:t>7/22/20</a:t>
             </a:fld>
             <a:endParaRPr kumimoji="1" lang="ko-Kore-KR" altLang="en-US"/>
           </a:p>
@@ -456,7 +461,7 @@
           <a:p>
             <a:fld id="{3B2B4835-CDD8-EA40-AC14-BDCA4B30EFF8}" type="datetimeFigureOut">
               <a:rPr kumimoji="1" lang="ko-Kore-KR" altLang="en-US" smtClean="0"/>
-              <a:t>2020. 7. 12.</a:t>
+              <a:t>7/22/20</a:t>
             </a:fld>
             <a:endParaRPr kumimoji="1" lang="ko-Kore-KR" altLang="en-US"/>
           </a:p>
@@ -666,7 +671,7 @@
           <a:p>
             <a:fld id="{3B2B4835-CDD8-EA40-AC14-BDCA4B30EFF8}" type="datetimeFigureOut">
               <a:rPr kumimoji="1" lang="ko-Kore-KR" altLang="en-US" smtClean="0"/>
-              <a:t>2020. 7. 12.</a:t>
+              <a:t>7/22/20</a:t>
             </a:fld>
             <a:endParaRPr kumimoji="1" lang="ko-Kore-KR" altLang="en-US"/>
           </a:p>
@@ -866,7 +871,7 @@
           <a:p>
             <a:fld id="{3B2B4835-CDD8-EA40-AC14-BDCA4B30EFF8}" type="datetimeFigureOut">
               <a:rPr kumimoji="1" lang="ko-Kore-KR" altLang="en-US" smtClean="0"/>
-              <a:t>2020. 7. 12.</a:t>
+              <a:t>7/22/20</a:t>
             </a:fld>
             <a:endParaRPr kumimoji="1" lang="ko-Kore-KR" altLang="en-US"/>
           </a:p>
@@ -1142,7 +1147,7 @@
           <a:p>
             <a:fld id="{3B2B4835-CDD8-EA40-AC14-BDCA4B30EFF8}" type="datetimeFigureOut">
               <a:rPr kumimoji="1" lang="ko-Kore-KR" altLang="en-US" smtClean="0"/>
-              <a:t>2020. 7. 12.</a:t>
+              <a:t>7/22/20</a:t>
             </a:fld>
             <a:endParaRPr kumimoji="1" lang="ko-Kore-KR" altLang="en-US"/>
           </a:p>
@@ -1410,7 +1415,7 @@
           <a:p>
             <a:fld id="{3B2B4835-CDD8-EA40-AC14-BDCA4B30EFF8}" type="datetimeFigureOut">
               <a:rPr kumimoji="1" lang="ko-Kore-KR" altLang="en-US" smtClean="0"/>
-              <a:t>2020. 7. 12.</a:t>
+              <a:t>7/22/20</a:t>
             </a:fld>
             <a:endParaRPr kumimoji="1" lang="ko-Kore-KR" altLang="en-US"/>
           </a:p>
@@ -1825,7 +1830,7 @@
           <a:p>
             <a:fld id="{3B2B4835-CDD8-EA40-AC14-BDCA4B30EFF8}" type="datetimeFigureOut">
               <a:rPr kumimoji="1" lang="ko-Kore-KR" altLang="en-US" smtClean="0"/>
-              <a:t>2020. 7. 12.</a:t>
+              <a:t>7/22/20</a:t>
             </a:fld>
             <a:endParaRPr kumimoji="1" lang="ko-Kore-KR" altLang="en-US"/>
           </a:p>
@@ -1967,7 +1972,7 @@
           <a:p>
             <a:fld id="{3B2B4835-CDD8-EA40-AC14-BDCA4B30EFF8}" type="datetimeFigureOut">
               <a:rPr kumimoji="1" lang="ko-Kore-KR" altLang="en-US" smtClean="0"/>
-              <a:t>2020. 7. 12.</a:t>
+              <a:t>7/22/20</a:t>
             </a:fld>
             <a:endParaRPr kumimoji="1" lang="ko-Kore-KR" altLang="en-US"/>
           </a:p>
@@ -2080,7 +2085,7 @@
           <a:p>
             <a:fld id="{3B2B4835-CDD8-EA40-AC14-BDCA4B30EFF8}" type="datetimeFigureOut">
               <a:rPr kumimoji="1" lang="ko-Kore-KR" altLang="en-US" smtClean="0"/>
-              <a:t>2020. 7. 12.</a:t>
+              <a:t>7/22/20</a:t>
             </a:fld>
             <a:endParaRPr kumimoji="1" lang="ko-Kore-KR" altLang="en-US"/>
           </a:p>
@@ -2393,7 +2398,7 @@
           <a:p>
             <a:fld id="{3B2B4835-CDD8-EA40-AC14-BDCA4B30EFF8}" type="datetimeFigureOut">
               <a:rPr kumimoji="1" lang="ko-Kore-KR" altLang="en-US" smtClean="0"/>
-              <a:t>2020. 7. 12.</a:t>
+              <a:t>7/22/20</a:t>
             </a:fld>
             <a:endParaRPr kumimoji="1" lang="ko-Kore-KR" altLang="en-US"/>
           </a:p>
@@ -2682,7 +2687,7 @@
           <a:p>
             <a:fld id="{3B2B4835-CDD8-EA40-AC14-BDCA4B30EFF8}" type="datetimeFigureOut">
               <a:rPr kumimoji="1" lang="ko-Kore-KR" altLang="en-US" smtClean="0"/>
-              <a:t>2020. 7. 12.</a:t>
+              <a:t>7/22/20</a:t>
             </a:fld>
             <a:endParaRPr kumimoji="1" lang="ko-Kore-KR" altLang="en-US"/>
           </a:p>
@@ -2925,7 +2930,7 @@
           <a:p>
             <a:fld id="{3B2B4835-CDD8-EA40-AC14-BDCA4B30EFF8}" type="datetimeFigureOut">
               <a:rPr kumimoji="1" lang="ko-Kore-KR" altLang="en-US" smtClean="0"/>
-              <a:t>2020. 7. 12.</a:t>
+              <a:t>7/22/20</a:t>
             </a:fld>
             <a:endParaRPr kumimoji="1" lang="ko-Kore-KR" altLang="en-US"/>
           </a:p>
@@ -3357,7 +3362,7 @@
           <p:nvPr>
             <p:extLst>
               <p:ext uri="{D42A27DB-BD31-4B8C-83A1-F6EECF244321}">
-                <p14:modId xmlns:p14="http://schemas.microsoft.com/office/powerpoint/2010/main" val="827437260"/>
+                <p14:modId xmlns:p14="http://schemas.microsoft.com/office/powerpoint/2010/main" val="253110481"/>
               </p:ext>
             </p:extLst>
           </p:nvPr>
@@ -3540,12 +3545,20 @@
                   </a:txBody>
                   <a:tcPr/>
                 </a:tc>
-                <a:tc>
+                <a:tc rowSpan="3">
                   <a:txBody>
                     <a:bodyPr/>
                     <a:lstStyle/>
                     <a:p>
                       <a:pPr algn="ctr"/>
+                      <a:r>
+                        <a:rPr lang="en-US" altLang="en-US" sz="2000" dirty="0"/>
+                        <a:t>L7 </a:t>
+                      </a:r>
+                      <a:r>
+                        <a:rPr lang="en-US" altLang="en-US" sz="2000"/>
+                        <a:t>| Firewall</a:t>
+                      </a:r>
                       <a:endParaRPr lang="ko-Kore-KR" altLang="en-US" sz="2000" dirty="0"/>
                     </a:p>
                   </a:txBody>
@@ -3654,7 +3667,7 @@
                   </a:txBody>
                   <a:tcPr/>
                 </a:tc>
-                <a:tc>
+                <a:tc vMerge="1">
                   <a:txBody>
                     <a:bodyPr/>
                     <a:lstStyle/>
@@ -3732,7 +3745,7 @@
                   </a:txBody>
                   <a:tcPr/>
                 </a:tc>
-                <a:tc>
+                <a:tc vMerge="1">
                   <a:txBody>
                     <a:bodyPr/>
                     <a:lstStyle/>
@@ -3816,6 +3829,10 @@
                     <a:lstStyle/>
                     <a:p>
                       <a:pPr algn="ctr"/>
+                      <a:r>
+                        <a:rPr lang="en-US" altLang="en-US" sz="2000" dirty="0"/>
+                        <a:t>L4 | NAT</a:t>
+                      </a:r>
                       <a:endParaRPr lang="ko-Kore-KR" altLang="en-US" sz="2000" dirty="0"/>
                     </a:p>
                   </a:txBody>
@@ -3914,6 +3931,10 @@
                     <a:lstStyle/>
                     <a:p>
                       <a:pPr algn="ctr"/>
+                      <a:r>
+                        <a:rPr lang="en-US" altLang="en-US" sz="2000" dirty="0"/>
+                        <a:t>L3 | router</a:t>
+                      </a:r>
                       <a:endParaRPr lang="ko-Kore-KR" altLang="en-US" sz="2000" dirty="0"/>
                     </a:p>
                   </a:txBody>
@@ -4020,6 +4041,10 @@
                     <a:lstStyle/>
                     <a:p>
                       <a:pPr algn="ctr"/>
+                      <a:r>
+                        <a:rPr lang="en-US" altLang="en-US" sz="2000" dirty="0"/>
+                        <a:t>L2 | Switch</a:t>
+                      </a:r>
                       <a:endParaRPr lang="ko-Kore-KR" altLang="en-US" sz="2000" dirty="0"/>
                     </a:p>
                   </a:txBody>
@@ -4121,6 +4146,10 @@
                     <a:lstStyle/>
                     <a:p>
                       <a:pPr algn="ctr"/>
+                      <a:r>
+                        <a:rPr lang="en-US" altLang="en-US" sz="2000" dirty="0"/>
+                        <a:t>L1</a:t>
+                      </a:r>
                       <a:endParaRPr lang="ko-Kore-KR" altLang="en-US" sz="2000" dirty="0"/>
                     </a:p>
                   </a:txBody>
